--- a/RCD/Trabalho de Redes e Comunicação de Dados.pptx
+++ b/RCD/Trabalho de Redes e Comunicação de Dados.pptx
@@ -12,9 +12,10 @@
     <p:sldId id="260" r:id="rId6"/>
     <p:sldId id="261" r:id="rId7"/>
     <p:sldId id="262" r:id="rId8"/>
-    <p:sldId id="263" r:id="rId9"/>
-    <p:sldId id="264" r:id="rId10"/>
-    <p:sldId id="265" r:id="rId11"/>
+    <p:sldId id="266" r:id="rId9"/>
+    <p:sldId id="263" r:id="rId10"/>
+    <p:sldId id="264" r:id="rId11"/>
+    <p:sldId id="265" r:id="rId12"/>
   </p:sldIdLst>
   <p:sldSz cx="12192000" cy="6858000"/>
   <p:notesSz cx="6858000" cy="9144000"/>
@@ -113,6 +114,11 @@
       </a:defRPr>
     </a:lvl9pPr>
   </p:defaultTextStyle>
+  <p:extLst>
+    <p:ext uri="{EFAFB233-063F-42B5-8137-9DF3F51BA10A}">
+      <p15:sldGuideLst xmlns:p15="http://schemas.microsoft.com/office/powerpoint/2012/main"/>
+    </p:ext>
+  </p:extLst>
 </p:presentation>
 </file>
 
@@ -308,7 +314,7 @@
             <a:fld id="{B61BEF0D-F0BB-DE4B-95CE-6DB70DBA9567}" type="datetimeFigureOut">
               <a:rPr lang="en-US" dirty="0"/>
               <a:pPr/>
-              <a:t>8/29/2018</a:t>
+              <a:t>9/12/2018</a:t>
             </a:fld>
             <a:endParaRPr lang="en-US" dirty="0"/>
           </a:p>
@@ -741,7 +747,7 @@
             <a:fld id="{B61BEF0D-F0BB-DE4B-95CE-6DB70DBA9567}" type="datetimeFigureOut">
               <a:rPr lang="en-US" dirty="0"/>
               <a:pPr/>
-              <a:t>8/29/2018</a:t>
+              <a:t>9/12/2018</a:t>
             </a:fld>
             <a:endParaRPr lang="en-US" dirty="0"/>
           </a:p>
@@ -988,7 +994,7 @@
             <a:fld id="{B61BEF0D-F0BB-DE4B-95CE-6DB70DBA9567}" type="datetimeFigureOut">
               <a:rPr lang="en-US" dirty="0"/>
               <a:pPr/>
-              <a:t>8/29/2018</a:t>
+              <a:t>9/12/2018</a:t>
             </a:fld>
             <a:endParaRPr lang="en-US" dirty="0"/>
           </a:p>
@@ -1293,7 +1299,7 @@
             <a:fld id="{B61BEF0D-F0BB-DE4B-95CE-6DB70DBA9567}" type="datetimeFigureOut">
               <a:rPr lang="en-US" dirty="0"/>
               <a:pPr/>
-              <a:t>8/29/2018</a:t>
+              <a:t>9/12/2018</a:t>
             </a:fld>
             <a:endParaRPr lang="en-US" dirty="0"/>
           </a:p>
@@ -1608,7 +1614,7 @@
             <a:fld id="{B61BEF0D-F0BB-DE4B-95CE-6DB70DBA9567}" type="datetimeFigureOut">
               <a:rPr lang="en-US" dirty="0"/>
               <a:pPr/>
-              <a:t>8/29/2018</a:t>
+              <a:t>9/12/2018</a:t>
             </a:fld>
             <a:endParaRPr lang="en-US" dirty="0"/>
           </a:p>
@@ -1907,7 +1913,7 @@
             <a:fld id="{B61BEF0D-F0BB-DE4B-95CE-6DB70DBA9567}" type="datetimeFigureOut">
               <a:rPr lang="en-US" dirty="0"/>
               <a:pPr/>
-              <a:t>8/29/2018</a:t>
+              <a:t>9/12/2018</a:t>
             </a:fld>
             <a:endParaRPr lang="en-US" dirty="0"/>
           </a:p>
@@ -2271,7 +2277,7 @@
             <a:fld id="{B61BEF0D-F0BB-DE4B-95CE-6DB70DBA9567}" type="datetimeFigureOut">
               <a:rPr lang="en-US" dirty="0"/>
               <a:pPr/>
-              <a:t>8/29/2018</a:t>
+              <a:t>9/12/2018</a:t>
             </a:fld>
             <a:endParaRPr lang="en-US" dirty="0"/>
           </a:p>
@@ -2442,7 +2448,7 @@
             <a:fld id="{B61BEF0D-F0BB-DE4B-95CE-6DB70DBA9567}" type="datetimeFigureOut">
               <a:rPr lang="en-US" dirty="0"/>
               <a:pPr/>
-              <a:t>8/29/2018</a:t>
+              <a:t>9/12/2018</a:t>
             </a:fld>
             <a:endParaRPr lang="en-US" dirty="0"/>
           </a:p>
@@ -2619,7 +2625,7 @@
             <a:fld id="{B61BEF0D-F0BB-DE4B-95CE-6DB70DBA9567}" type="datetimeFigureOut">
               <a:rPr lang="en-US" dirty="0"/>
               <a:pPr/>
-              <a:t>8/29/2018</a:t>
+              <a:t>9/12/2018</a:t>
             </a:fld>
             <a:endParaRPr lang="en-US" dirty="0"/>
           </a:p>
@@ -2786,7 +2792,7 @@
             <a:fld id="{B61BEF0D-F0BB-DE4B-95CE-6DB70DBA9567}" type="datetimeFigureOut">
               <a:rPr lang="en-US" dirty="0"/>
               <a:pPr/>
-              <a:t>8/29/2018</a:t>
+              <a:t>9/12/2018</a:t>
             </a:fld>
             <a:endParaRPr lang="en-US" dirty="0"/>
           </a:p>
@@ -3033,7 +3039,7 @@
             <a:fld id="{B61BEF0D-F0BB-DE4B-95CE-6DB70DBA9567}" type="datetimeFigureOut">
               <a:rPr lang="en-US" dirty="0"/>
               <a:pPr/>
-              <a:t>8/29/2018</a:t>
+              <a:t>9/12/2018</a:t>
             </a:fld>
             <a:endParaRPr lang="en-US" dirty="0"/>
           </a:p>
@@ -3266,7 +3272,7 @@
             <a:fld id="{B61BEF0D-F0BB-DE4B-95CE-6DB70DBA9567}" type="datetimeFigureOut">
               <a:rPr lang="en-US" dirty="0"/>
               <a:pPr/>
-              <a:t>8/29/2018</a:t>
+              <a:t>9/12/2018</a:t>
             </a:fld>
             <a:endParaRPr lang="en-US" dirty="0"/>
           </a:p>
@@ -3645,7 +3651,7 @@
             <a:fld id="{B61BEF0D-F0BB-DE4B-95CE-6DB70DBA9567}" type="datetimeFigureOut">
               <a:rPr lang="en-US" dirty="0"/>
               <a:pPr/>
-              <a:t>8/29/2018</a:t>
+              <a:t>9/12/2018</a:t>
             </a:fld>
             <a:endParaRPr lang="en-US" dirty="0"/>
           </a:p>
@@ -3760,7 +3766,7 @@
             <a:fld id="{B61BEF0D-F0BB-DE4B-95CE-6DB70DBA9567}" type="datetimeFigureOut">
               <a:rPr lang="en-US" dirty="0"/>
               <a:pPr/>
-              <a:t>8/29/2018</a:t>
+              <a:t>9/12/2018</a:t>
             </a:fld>
             <a:endParaRPr lang="en-US" dirty="0"/>
           </a:p>
@@ -3852,7 +3858,7 @@
             <a:fld id="{B61BEF0D-F0BB-DE4B-95CE-6DB70DBA9567}" type="datetimeFigureOut">
               <a:rPr lang="en-US" dirty="0"/>
               <a:pPr/>
-              <a:t>8/29/2018</a:t>
+              <a:t>9/12/2018</a:t>
             </a:fld>
             <a:endParaRPr lang="en-US" dirty="0"/>
           </a:p>
@@ -4104,7 +4110,7 @@
             <a:fld id="{B61BEF0D-F0BB-DE4B-95CE-6DB70DBA9567}" type="datetimeFigureOut">
               <a:rPr lang="en-US" dirty="0"/>
               <a:pPr/>
-              <a:t>8/29/2018</a:t>
+              <a:t>9/12/2018</a:t>
             </a:fld>
             <a:endParaRPr lang="en-US" dirty="0"/>
           </a:p>
@@ -4384,7 +4390,7 @@
             <a:fld id="{B61BEF0D-F0BB-DE4B-95CE-6DB70DBA9567}" type="datetimeFigureOut">
               <a:rPr lang="en-US" dirty="0"/>
               <a:pPr/>
-              <a:t>8/29/2018</a:t>
+              <a:t>9/12/2018</a:t>
             </a:fld>
             <a:endParaRPr lang="en-US" dirty="0"/>
           </a:p>
@@ -4787,7 +4793,7 @@
             <a:fld id="{B61BEF0D-F0BB-DE4B-95CE-6DB70DBA9567}" type="datetimeFigureOut">
               <a:rPr lang="en-US" dirty="0"/>
               <a:pPr/>
-              <a:t>8/29/2018</a:t>
+              <a:t>9/12/2018</a:t>
             </a:fld>
             <a:endParaRPr lang="en-US" dirty="0"/>
           </a:p>
@@ -5419,6 +5425,90 @@
         </p:blipFill>
         <p:spPr>
           <a:xfrm>
+            <a:off x="6996112" y="140583"/>
+            <a:ext cx="4738688" cy="6622167"/>
+          </a:xfrm>
+          <a:prstGeom prst="rect">
+            <a:avLst/>
+          </a:prstGeom>
+        </p:spPr>
+      </p:pic>
+      <p:sp>
+        <p:nvSpPr>
+          <p:cNvPr id="3" name="CaixaDeTexto 2"/>
+          <p:cNvSpPr txBox="1"/>
+          <p:nvPr/>
+        </p:nvSpPr>
+        <p:spPr>
+          <a:xfrm>
+            <a:off x="704850" y="685800"/>
+            <a:ext cx="5346335" cy="1200329"/>
+          </a:xfrm>
+          <a:prstGeom prst="rect">
+            <a:avLst/>
+          </a:prstGeom>
+          <a:noFill/>
+        </p:spPr>
+        <p:txBody>
+          <a:bodyPr wrap="none" rtlCol="0">
+            <a:spAutoFit/>
+          </a:bodyPr>
+          <a:lstStyle/>
+          <a:p>
+            <a:r>
+              <a:rPr lang="pt-BR" sz="7200" dirty="0" smtClean="0"/>
+              <a:t>Total gasto:</a:t>
+            </a:r>
+            <a:endParaRPr lang="pt-BR" sz="7200" dirty="0"/>
+          </a:p>
+        </p:txBody>
+      </p:sp>
+    </p:spTree>
+    <p:extLst>
+      <p:ext uri="{BB962C8B-B14F-4D97-AF65-F5344CB8AC3E}">
+        <p14:creationId xmlns:p14="http://schemas.microsoft.com/office/powerpoint/2010/main" val="4170623436"/>
+      </p:ext>
+    </p:extLst>
+  </p:cSld>
+  <p:clrMapOvr>
+    <a:masterClrMapping/>
+  </p:clrMapOvr>
+</p:sld>
+</file>
+
+<file path=ppt/slides/slide11.xml><?xml version="1.0" encoding="utf-8"?>
+<p:sld xmlns:a="http://schemas.openxmlformats.org/drawingml/2006/main" xmlns:r="http://schemas.openxmlformats.org/officeDocument/2006/relationships" xmlns:p="http://schemas.openxmlformats.org/presentationml/2006/main">
+  <p:cSld>
+    <p:spTree>
+      <p:nvGrpSpPr>
+        <p:cNvPr id="1" name=""/>
+        <p:cNvGrpSpPr/>
+        <p:nvPr/>
+      </p:nvGrpSpPr>
+      <p:grpSpPr>
+        <a:xfrm>
+          <a:off x="0" y="0"/>
+          <a:ext cx="0" cy="0"/>
+          <a:chOff x="0" y="0"/>
+          <a:chExt cx="0" cy="0"/>
+        </a:xfrm>
+      </p:grpSpPr>
+      <p:pic>
+        <p:nvPicPr>
+          <p:cNvPr id="2" name="Imagem 1"/>
+          <p:cNvPicPr>
+            <a:picLocks noChangeAspect="1"/>
+          </p:cNvPicPr>
+          <p:nvPr/>
+        </p:nvPicPr>
+        <p:blipFill>
+          <a:blip r:embed="rId2"/>
+          <a:stretch>
+            <a:fillRect/>
+          </a:stretch>
+        </p:blipFill>
+        <p:spPr>
+          <a:xfrm>
             <a:off x="3919537" y="990600"/>
             <a:ext cx="8022318" cy="5257800"/>
           </a:xfrm>
@@ -6267,7 +6357,6 @@
               <a:rPr lang="pt-BR" dirty="0"/>
               <a:t>Samsung</a:t>
             </a:r>
-            <a:endParaRPr lang="pt-BR" dirty="0"/>
           </a:p>
         </p:txBody>
       </p:sp>
@@ -6909,111 +6998,9 @@
           <a:chExt cx="0" cy="0"/>
         </a:xfrm>
       </p:grpSpPr>
-      <p:sp>
-        <p:nvSpPr>
-          <p:cNvPr id="2" name="CaixaDeTexto 1"/>
-          <p:cNvSpPr txBox="1"/>
-          <p:nvPr/>
-        </p:nvSpPr>
-        <p:spPr>
-          <a:xfrm>
-            <a:off x="1009650" y="781050"/>
-            <a:ext cx="8172450" cy="4154984"/>
-          </a:xfrm>
-          <a:prstGeom prst="rect">
-            <a:avLst/>
-          </a:prstGeom>
-          <a:noFill/>
-        </p:spPr>
-        <p:txBody>
-          <a:bodyPr wrap="square" rtlCol="0">
-            <a:spAutoFit/>
-          </a:bodyPr>
-          <a:lstStyle/>
-          <a:p>
-            <a:r>
-              <a:rPr lang="pt-BR" sz="4000" dirty="0" smtClean="0"/>
-              <a:t>Opcionais</a:t>
-            </a:r>
-          </a:p>
-          <a:p>
-            <a:endParaRPr lang="pt-BR" sz="2800" dirty="0"/>
-          </a:p>
-          <a:p>
-            <a:pPr marL="457200" indent="-457200">
-              <a:buFont typeface="Wingdings" panose="05000000000000000000" pitchFamily="2" charset="2"/>
-              <a:buChar char="q"/>
-            </a:pPr>
-            <a:r>
-              <a:rPr lang="pt-BR" sz="2800" dirty="0" smtClean="0"/>
-              <a:t>Ar-condicionado</a:t>
-            </a:r>
-          </a:p>
-          <a:p>
-            <a:pPr marL="457200" indent="-457200">
-              <a:buFont typeface="Wingdings" panose="05000000000000000000" pitchFamily="2" charset="2"/>
-              <a:buChar char="q"/>
-            </a:pPr>
-            <a:endParaRPr lang="pt-BR" sz="2800" dirty="0"/>
-          </a:p>
-          <a:p>
-            <a:pPr marL="457200" indent="-457200">
-              <a:buFont typeface="Wingdings" panose="05000000000000000000" pitchFamily="2" charset="2"/>
-              <a:buChar char="q"/>
-            </a:pPr>
-            <a:r>
-              <a:rPr lang="pt-BR" sz="2800" dirty="0" smtClean="0"/>
-              <a:t>Cafeteira</a:t>
-            </a:r>
-          </a:p>
-          <a:p>
-            <a:pPr marL="457200" indent="-457200">
-              <a:buFont typeface="Wingdings" panose="05000000000000000000" pitchFamily="2" charset="2"/>
-              <a:buChar char="q"/>
-            </a:pPr>
-            <a:endParaRPr lang="pt-BR" sz="2800" dirty="0"/>
-          </a:p>
-          <a:p>
-            <a:pPr marL="457200" indent="-457200">
-              <a:buFont typeface="Wingdings" panose="05000000000000000000" pitchFamily="2" charset="2"/>
-              <a:buChar char="q"/>
-            </a:pPr>
-            <a:r>
-              <a:rPr lang="pt-BR" sz="2800" dirty="0" err="1"/>
-              <a:t>PlayStation</a:t>
-            </a:r>
-            <a:r>
-              <a:rPr lang="pt-BR" sz="2800" dirty="0"/>
-              <a:t> </a:t>
-            </a:r>
-            <a:r>
-              <a:rPr lang="pt-BR" sz="2800" dirty="0" smtClean="0"/>
-              <a:t>2</a:t>
-            </a:r>
-          </a:p>
-          <a:p>
-            <a:pPr marL="457200" indent="-457200">
-              <a:buFont typeface="Wingdings" panose="05000000000000000000" pitchFamily="2" charset="2"/>
-              <a:buChar char="q"/>
-            </a:pPr>
-            <a:endParaRPr lang="pt-BR" sz="2800" dirty="0"/>
-          </a:p>
-          <a:p>
-            <a:pPr marL="457200" indent="-457200">
-              <a:buFont typeface="Wingdings" panose="05000000000000000000" pitchFamily="2" charset="2"/>
-              <a:buChar char="q"/>
-            </a:pPr>
-            <a:r>
-              <a:rPr lang="pt-BR" sz="2800" dirty="0" smtClean="0"/>
-              <a:t>Armário</a:t>
-            </a:r>
-            <a:endParaRPr lang="pt-BR" sz="2800" dirty="0"/>
-          </a:p>
-        </p:txBody>
-      </p:sp>
       <p:pic>
         <p:nvPicPr>
-          <p:cNvPr id="3" name="Imagem 2"/>
+          <p:cNvPr id="2" name="Imagem 1"/>
           <p:cNvPicPr>
             <a:picLocks noChangeAspect="1"/>
           </p:cNvPicPr>
@@ -7027,8 +7014,8 @@
         </p:blipFill>
         <p:spPr>
           <a:xfrm>
-            <a:off x="5095875" y="2250281"/>
-            <a:ext cx="6814843" cy="1902322"/>
+            <a:off x="286181" y="5536446"/>
+            <a:ext cx="7867651" cy="1051390"/>
           </a:xfrm>
           <a:prstGeom prst="rect">
             <a:avLst/>
@@ -7037,7 +7024,7 @@
       </p:pic>
       <p:pic>
         <p:nvPicPr>
-          <p:cNvPr id="4" name="Imagem 3"/>
+          <p:cNvPr id="3" name="Imagem 2"/>
           <p:cNvPicPr>
             <a:picLocks noChangeAspect="1"/>
           </p:cNvPicPr>
@@ -7051,18 +7038,129 @@
         </p:blipFill>
         <p:spPr>
           <a:xfrm>
-            <a:off x="5095874" y="1809750"/>
-            <a:ext cx="6814843" cy="440531"/>
+            <a:off x="286182" y="4972536"/>
+            <a:ext cx="7867651" cy="563910"/>
           </a:xfrm>
           <a:prstGeom prst="rect">
             <a:avLst/>
           </a:prstGeom>
         </p:spPr>
       </p:pic>
+      <p:pic>
+        <p:nvPicPr>
+          <p:cNvPr id="1026" name="Picture 2" descr="Cadeira de EscritÃ³rio SecretÃ¡ria GiratÃ³ria PistÃ£o Fixo Preta"/>
+          <p:cNvPicPr>
+            <a:picLocks noChangeAspect="1" noChangeArrowheads="1"/>
+          </p:cNvPicPr>
+          <p:nvPr/>
+        </p:nvPicPr>
+        <p:blipFill>
+          <a:blip r:embed="rId4">
+            <a:extLst>
+              <a:ext uri="{28A0092B-C50C-407E-A947-70E740481C1C}">
+                <a14:useLocalDpi xmlns:a14="http://schemas.microsoft.com/office/drawing/2010/main" val="0"/>
+              </a:ext>
+            </a:extLst>
+          </a:blip>
+          <a:srcRect/>
+          <a:stretch>
+            <a:fillRect/>
+          </a:stretch>
+        </p:blipFill>
+        <p:spPr bwMode="auto">
+          <a:xfrm>
+            <a:off x="8457911" y="145473"/>
+            <a:ext cx="3195927" cy="3195927"/>
+          </a:xfrm>
+          <a:prstGeom prst="rect">
+            <a:avLst/>
+          </a:prstGeom>
+          <a:noFill/>
+          <a:extLst>
+            <a:ext uri="{909E8E84-426E-40DD-AFC4-6F175D3DCCD1}">
+              <a14:hiddenFill xmlns:a14="http://schemas.microsoft.com/office/drawing/2010/main">
+                <a:solidFill>
+                  <a:srgbClr val="FFFFFF"/>
+                </a:solidFill>
+              </a14:hiddenFill>
+            </a:ext>
+          </a:extLst>
+        </p:spPr>
+      </p:pic>
+      <p:pic>
+        <p:nvPicPr>
+          <p:cNvPr id="1028" name="Picture 4" descr="Escrivaninha Rubi - Branco e Preto Madesa"/>
+          <p:cNvPicPr>
+            <a:picLocks noChangeAspect="1" noChangeArrowheads="1"/>
+          </p:cNvPicPr>
+          <p:nvPr/>
+        </p:nvPicPr>
+        <p:blipFill>
+          <a:blip r:embed="rId5">
+            <a:extLst>
+              <a:ext uri="{28A0092B-C50C-407E-A947-70E740481C1C}">
+                <a14:useLocalDpi xmlns:a14="http://schemas.microsoft.com/office/drawing/2010/main" val="0"/>
+              </a:ext>
+            </a:extLst>
+          </a:blip>
+          <a:srcRect/>
+          <a:stretch>
+            <a:fillRect/>
+          </a:stretch>
+        </p:blipFill>
+        <p:spPr bwMode="auto">
+          <a:xfrm>
+            <a:off x="8590612" y="3789228"/>
+            <a:ext cx="2930524" cy="2930525"/>
+          </a:xfrm>
+          <a:prstGeom prst="rect">
+            <a:avLst/>
+          </a:prstGeom>
+          <a:noFill/>
+          <a:extLst>
+            <a:ext uri="{909E8E84-426E-40DD-AFC4-6F175D3DCCD1}">
+              <a14:hiddenFill xmlns:a14="http://schemas.microsoft.com/office/drawing/2010/main">
+                <a:solidFill>
+                  <a:srgbClr val="FFFFFF"/>
+                </a:solidFill>
+              </a14:hiddenFill>
+            </a:ext>
+          </a:extLst>
+        </p:spPr>
+      </p:pic>
+      <p:sp>
+        <p:nvSpPr>
+          <p:cNvPr id="4" name="Retângulo 3"/>
+          <p:cNvSpPr/>
+          <p:nvPr/>
+        </p:nvSpPr>
+        <p:spPr>
+          <a:xfrm>
+            <a:off x="533400" y="826946"/>
+            <a:ext cx="6096000" cy="830997"/>
+          </a:xfrm>
+          <a:prstGeom prst="rect">
+            <a:avLst/>
+          </a:prstGeom>
+        </p:spPr>
+        <p:txBody>
+          <a:bodyPr>
+            <a:spAutoFit/>
+          </a:bodyPr>
+          <a:lstStyle/>
+          <a:p>
+            <a:r>
+              <a:rPr lang="pt-BR" sz="4800" dirty="0" smtClean="0"/>
+              <a:t>Mobílias</a:t>
+            </a:r>
+            <a:endParaRPr lang="pt-BR" sz="4800" dirty="0"/>
+          </a:p>
+        </p:txBody>
+      </p:sp>
     </p:spTree>
     <p:extLst>
       <p:ext uri="{BB962C8B-B14F-4D97-AF65-F5344CB8AC3E}">
-        <p14:creationId xmlns:p14="http://schemas.microsoft.com/office/powerpoint/2010/main" val="1098294424"/>
+        <p14:creationId xmlns:p14="http://schemas.microsoft.com/office/powerpoint/2010/main" val="1675646366"/>
       </p:ext>
     </p:extLst>
   </p:cSld>
@@ -7089,9 +7187,111 @@
           <a:chExt cx="0" cy="0"/>
         </a:xfrm>
       </p:grpSpPr>
+      <p:sp>
+        <p:nvSpPr>
+          <p:cNvPr id="2" name="CaixaDeTexto 1"/>
+          <p:cNvSpPr txBox="1"/>
+          <p:nvPr/>
+        </p:nvSpPr>
+        <p:spPr>
+          <a:xfrm>
+            <a:off x="1009650" y="781050"/>
+            <a:ext cx="8172450" cy="4154984"/>
+          </a:xfrm>
+          <a:prstGeom prst="rect">
+            <a:avLst/>
+          </a:prstGeom>
+          <a:noFill/>
+        </p:spPr>
+        <p:txBody>
+          <a:bodyPr wrap="square" rtlCol="0">
+            <a:spAutoFit/>
+          </a:bodyPr>
+          <a:lstStyle/>
+          <a:p>
+            <a:r>
+              <a:rPr lang="pt-BR" sz="4000" dirty="0" smtClean="0"/>
+              <a:t>Opcionais</a:t>
+            </a:r>
+          </a:p>
+          <a:p>
+            <a:endParaRPr lang="pt-BR" sz="2800" dirty="0"/>
+          </a:p>
+          <a:p>
+            <a:pPr marL="457200" indent="-457200">
+              <a:buFont typeface="Wingdings" panose="05000000000000000000" pitchFamily="2" charset="2"/>
+              <a:buChar char="q"/>
+            </a:pPr>
+            <a:r>
+              <a:rPr lang="pt-BR" sz="2800" dirty="0" smtClean="0"/>
+              <a:t>Ar-condicionado</a:t>
+            </a:r>
+          </a:p>
+          <a:p>
+            <a:pPr marL="457200" indent="-457200">
+              <a:buFont typeface="Wingdings" panose="05000000000000000000" pitchFamily="2" charset="2"/>
+              <a:buChar char="q"/>
+            </a:pPr>
+            <a:endParaRPr lang="pt-BR" sz="2800" dirty="0"/>
+          </a:p>
+          <a:p>
+            <a:pPr marL="457200" indent="-457200">
+              <a:buFont typeface="Wingdings" panose="05000000000000000000" pitchFamily="2" charset="2"/>
+              <a:buChar char="q"/>
+            </a:pPr>
+            <a:r>
+              <a:rPr lang="pt-BR" sz="2800" dirty="0" smtClean="0"/>
+              <a:t>Cafeteira</a:t>
+            </a:r>
+          </a:p>
+          <a:p>
+            <a:pPr marL="457200" indent="-457200">
+              <a:buFont typeface="Wingdings" panose="05000000000000000000" pitchFamily="2" charset="2"/>
+              <a:buChar char="q"/>
+            </a:pPr>
+            <a:endParaRPr lang="pt-BR" sz="2800" dirty="0"/>
+          </a:p>
+          <a:p>
+            <a:pPr marL="457200" indent="-457200">
+              <a:buFont typeface="Wingdings" panose="05000000000000000000" pitchFamily="2" charset="2"/>
+              <a:buChar char="q"/>
+            </a:pPr>
+            <a:r>
+              <a:rPr lang="pt-BR" sz="2800" dirty="0" err="1"/>
+              <a:t>PlayStation</a:t>
+            </a:r>
+            <a:r>
+              <a:rPr lang="pt-BR" sz="2800" dirty="0"/>
+              <a:t> </a:t>
+            </a:r>
+            <a:r>
+              <a:rPr lang="pt-BR" sz="2800" dirty="0" smtClean="0"/>
+              <a:t>2</a:t>
+            </a:r>
+          </a:p>
+          <a:p>
+            <a:pPr marL="457200" indent="-457200">
+              <a:buFont typeface="Wingdings" panose="05000000000000000000" pitchFamily="2" charset="2"/>
+              <a:buChar char="q"/>
+            </a:pPr>
+            <a:endParaRPr lang="pt-BR" sz="2800" dirty="0"/>
+          </a:p>
+          <a:p>
+            <a:pPr marL="457200" indent="-457200">
+              <a:buFont typeface="Wingdings" panose="05000000000000000000" pitchFamily="2" charset="2"/>
+              <a:buChar char="q"/>
+            </a:pPr>
+            <a:r>
+              <a:rPr lang="pt-BR" sz="2800" dirty="0" smtClean="0"/>
+              <a:t>Armário</a:t>
+            </a:r>
+            <a:endParaRPr lang="pt-BR" sz="2800" dirty="0"/>
+          </a:p>
+        </p:txBody>
+      </p:sp>
       <p:pic>
         <p:nvPicPr>
-          <p:cNvPr id="2" name="Imagem 1"/>
+          <p:cNvPr id="3" name="Imagem 2"/>
           <p:cNvPicPr>
             <a:picLocks noChangeAspect="1"/>
           </p:cNvPicPr>
@@ -7105,48 +7305,42 @@
         </p:blipFill>
         <p:spPr>
           <a:xfrm>
-            <a:off x="6996112" y="140583"/>
-            <a:ext cx="4738688" cy="6622167"/>
+            <a:off x="5095875" y="2250281"/>
+            <a:ext cx="6814843" cy="1902322"/>
           </a:xfrm>
           <a:prstGeom prst="rect">
             <a:avLst/>
           </a:prstGeom>
         </p:spPr>
       </p:pic>
-      <p:sp>
-        <p:nvSpPr>
-          <p:cNvPr id="3" name="CaixaDeTexto 2"/>
-          <p:cNvSpPr txBox="1"/>
+      <p:pic>
+        <p:nvPicPr>
+          <p:cNvPr id="4" name="Imagem 3"/>
+          <p:cNvPicPr>
+            <a:picLocks noChangeAspect="1"/>
+          </p:cNvPicPr>
           <p:nvPr/>
-        </p:nvSpPr>
-        <p:spPr>
-          <a:xfrm>
-            <a:off x="704850" y="685800"/>
-            <a:ext cx="5346335" cy="1200329"/>
+        </p:nvPicPr>
+        <p:blipFill>
+          <a:blip r:embed="rId3"/>
+          <a:stretch>
+            <a:fillRect/>
+          </a:stretch>
+        </p:blipFill>
+        <p:spPr>
+          <a:xfrm>
+            <a:off x="5095874" y="1809750"/>
+            <a:ext cx="6814843" cy="440531"/>
           </a:xfrm>
           <a:prstGeom prst="rect">
             <a:avLst/>
           </a:prstGeom>
-          <a:noFill/>
-        </p:spPr>
-        <p:txBody>
-          <a:bodyPr wrap="none" rtlCol="0">
-            <a:spAutoFit/>
-          </a:bodyPr>
-          <a:lstStyle/>
-          <a:p>
-            <a:r>
-              <a:rPr lang="pt-BR" sz="7200" dirty="0" smtClean="0"/>
-              <a:t>Total gasto:</a:t>
-            </a:r>
-            <a:endParaRPr lang="pt-BR" sz="7200" dirty="0"/>
-          </a:p>
-        </p:txBody>
-      </p:sp>
+        </p:spPr>
+      </p:pic>
     </p:spTree>
     <p:extLst>
       <p:ext uri="{BB962C8B-B14F-4D97-AF65-F5344CB8AC3E}">
-        <p14:creationId xmlns:p14="http://schemas.microsoft.com/office/powerpoint/2010/main" val="4170623436"/>
+        <p14:creationId xmlns:p14="http://schemas.microsoft.com/office/powerpoint/2010/main" val="1098294424"/>
       </p:ext>
     </p:extLst>
   </p:cSld>
